--- a/report/SchoolManagementSystem_diagrams.pptx
+++ b/report/SchoolManagementSystem_diagrams.pptx
@@ -199,7 +199,7 @@
             <a:fld id="{494EA101-421E-4DAB-945A-4CF68BD49A6A}" type="datetimeFigureOut">
               <a:rPr lang="en-US" smtClean="0"/>
               <a:pPr/>
-              <a:t>12/27/2012</a:t>
+              <a:t>12/28/2012</a:t>
             </a:fld>
             <a:endParaRPr lang="en-US"/>
           </a:p>
@@ -368,6 +368,11 @@
         </p:txBody>
       </p:sp>
     </p:spTree>
+    <p:extLst>
+      <p:ext uri="{BB962C8B-B14F-4D97-AF65-F5344CB8AC3E}">
+        <p14:creationId xmlns:p14="http://schemas.microsoft.com/office/powerpoint/2010/main" val="1691157593"/>
+      </p:ext>
+    </p:extLst>
   </p:cSld>
   <p:clrMap bg1="lt1" tx1="dk1" bg2="lt2" tx2="dk2" accent1="accent1" accent2="accent2" accent3="accent3" accent4="accent4" accent5="accent5" accent6="accent6" hlink="hlink" folHlink="folHlink"/>
   <p:notesStyle>
@@ -811,7 +816,7 @@
             <a:fld id="{0D947FFC-875D-4EB0-8CD4-2147C7163B75}" type="datetimeFigureOut">
               <a:rPr lang="en-US" smtClean="0"/>
               <a:pPr/>
-              <a:t>12/27/2012</a:t>
+              <a:t>12/28/2012</a:t>
             </a:fld>
             <a:endParaRPr lang="en-US"/>
           </a:p>
@@ -978,7 +983,7 @@
             <a:fld id="{0D947FFC-875D-4EB0-8CD4-2147C7163B75}" type="datetimeFigureOut">
               <a:rPr lang="en-US" smtClean="0"/>
               <a:pPr/>
-              <a:t>12/27/2012</a:t>
+              <a:t>12/28/2012</a:t>
             </a:fld>
             <a:endParaRPr lang="en-US"/>
           </a:p>
@@ -1155,7 +1160,7 @@
             <a:fld id="{0D947FFC-875D-4EB0-8CD4-2147C7163B75}" type="datetimeFigureOut">
               <a:rPr lang="en-US" smtClean="0"/>
               <a:pPr/>
-              <a:t>12/27/2012</a:t>
+              <a:t>12/28/2012</a:t>
             </a:fld>
             <a:endParaRPr lang="en-US"/>
           </a:p>
@@ -1322,7 +1327,7 @@
             <a:fld id="{0D947FFC-875D-4EB0-8CD4-2147C7163B75}" type="datetimeFigureOut">
               <a:rPr lang="en-US" smtClean="0"/>
               <a:pPr/>
-              <a:t>12/27/2012</a:t>
+              <a:t>12/28/2012</a:t>
             </a:fld>
             <a:endParaRPr lang="en-US"/>
           </a:p>
@@ -1565,7 +1570,7 @@
             <a:fld id="{0D947FFC-875D-4EB0-8CD4-2147C7163B75}" type="datetimeFigureOut">
               <a:rPr lang="en-US" smtClean="0"/>
               <a:pPr/>
-              <a:t>12/27/2012</a:t>
+              <a:t>12/28/2012</a:t>
             </a:fld>
             <a:endParaRPr lang="en-US"/>
           </a:p>
@@ -1850,7 +1855,7 @@
             <a:fld id="{0D947FFC-875D-4EB0-8CD4-2147C7163B75}" type="datetimeFigureOut">
               <a:rPr lang="en-US" smtClean="0"/>
               <a:pPr/>
-              <a:t>12/27/2012</a:t>
+              <a:t>12/28/2012</a:t>
             </a:fld>
             <a:endParaRPr lang="en-US"/>
           </a:p>
@@ -2269,7 +2274,7 @@
             <a:fld id="{0D947FFC-875D-4EB0-8CD4-2147C7163B75}" type="datetimeFigureOut">
               <a:rPr lang="en-US" smtClean="0"/>
               <a:pPr/>
-              <a:t>12/27/2012</a:t>
+              <a:t>12/28/2012</a:t>
             </a:fld>
             <a:endParaRPr lang="en-US"/>
           </a:p>
@@ -2384,7 +2389,7 @@
             <a:fld id="{0D947FFC-875D-4EB0-8CD4-2147C7163B75}" type="datetimeFigureOut">
               <a:rPr lang="en-US" smtClean="0"/>
               <a:pPr/>
-              <a:t>12/27/2012</a:t>
+              <a:t>12/28/2012</a:t>
             </a:fld>
             <a:endParaRPr lang="en-US"/>
           </a:p>
@@ -2476,7 +2481,7 @@
             <a:fld id="{0D947FFC-875D-4EB0-8CD4-2147C7163B75}" type="datetimeFigureOut">
               <a:rPr lang="en-US" smtClean="0"/>
               <a:pPr/>
-              <a:t>12/27/2012</a:t>
+              <a:t>12/28/2012</a:t>
             </a:fld>
             <a:endParaRPr lang="en-US"/>
           </a:p>
@@ -2750,7 +2755,7 @@
             <a:fld id="{0D947FFC-875D-4EB0-8CD4-2147C7163B75}" type="datetimeFigureOut">
               <a:rPr lang="en-US" smtClean="0"/>
               <a:pPr/>
-              <a:t>12/27/2012</a:t>
+              <a:t>12/28/2012</a:t>
             </a:fld>
             <a:endParaRPr lang="en-US"/>
           </a:p>
@@ -3000,7 +3005,7 @@
             <a:fld id="{0D947FFC-875D-4EB0-8CD4-2147C7163B75}" type="datetimeFigureOut">
               <a:rPr lang="en-US" smtClean="0"/>
               <a:pPr/>
-              <a:t>12/27/2012</a:t>
+              <a:t>12/28/2012</a:t>
             </a:fld>
             <a:endParaRPr lang="en-US"/>
           </a:p>
@@ -3210,7 +3215,7 @@
             <a:fld id="{0D947FFC-875D-4EB0-8CD4-2147C7163B75}" type="datetimeFigureOut">
               <a:rPr lang="en-US" smtClean="0"/>
               <a:pPr/>
-              <a:t>12/27/2012</a:t>
+              <a:t>12/28/2012</a:t>
             </a:fld>
             <a:endParaRPr lang="en-US"/>
           </a:p>
@@ -3683,6 +3688,64 @@
               <a:tabLst/>
               <a:defRPr/>
             </a:pPr>
+            <a:endParaRPr kumimoji="0" lang="en-US" sz="800" b="0" i="0" u="none" strike="noStrike" kern="0" cap="none" spc="0" normalizeH="0" baseline="0" noProof="0" dirty="0" smtClean="0">
+              <a:ln>
+                <a:noFill/>
+              </a:ln>
+              <a:solidFill>
+                <a:srgbClr val="262626"/>
+              </a:solidFill>
+              <a:effectLst/>
+              <a:uLnTx/>
+              <a:uFillTx/>
+              <a:latin typeface="Ubuntu Condensed"/>
+              <a:ea typeface="+mn-ea"/>
+              <a:cs typeface="+mn-cs"/>
+            </a:endParaRPr>
+          </a:p>
+          <a:p>
+            <a:pPr marL="0" marR="0" lvl="0" indent="0" algn="ctr" defTabSz="914400" eaLnBrk="1" fontAlgn="auto" latinLnBrk="0" hangingPunct="1">
+              <a:lnSpc>
+                <a:spcPct val="100000"/>
+              </a:lnSpc>
+              <a:spcBef>
+                <a:spcPts val="0"/>
+              </a:spcBef>
+              <a:spcAft>
+                <a:spcPts val="0"/>
+              </a:spcAft>
+              <a:buClrTx/>
+              <a:buSzTx/>
+              <a:buFontTx/>
+              <a:buNone/>
+              <a:tabLst/>
+              <a:defRPr/>
+            </a:pPr>
+            <a:endParaRPr lang="en-US" sz="800" kern="0" dirty="0">
+              <a:solidFill>
+                <a:srgbClr val="262626"/>
+              </a:solidFill>
+              <a:latin typeface="Ubuntu Condensed"/>
+            </a:endParaRPr>
+          </a:p>
+          <a:p>
+            <a:pPr marL="0" marR="0" lvl="0" indent="0" algn="ctr" defTabSz="914400" eaLnBrk="1" fontAlgn="auto" latinLnBrk="0" hangingPunct="1">
+              <a:lnSpc>
+                <a:spcPct val="100000"/>
+              </a:lnSpc>
+              <a:spcBef>
+                <a:spcPts val="0"/>
+              </a:spcBef>
+              <a:spcAft>
+                <a:spcPts val="0"/>
+              </a:spcAft>
+              <a:buClrTx/>
+              <a:buSzTx/>
+              <a:buFontTx/>
+              <a:buNone/>
+              <a:tabLst/>
+              <a:defRPr/>
+            </a:pPr>
             <a:r>
               <a:rPr kumimoji="0" lang="en-US" sz="800" b="0" i="0" u="none" strike="noStrike" kern="0" cap="none" spc="0" normalizeH="0" baseline="0" noProof="0" dirty="0" smtClean="0">
                 <a:ln>
@@ -3698,7 +3761,24 @@
                 <a:ea typeface="+mn-ea"/>
                 <a:cs typeface="+mn-cs"/>
               </a:rPr>
-              <a:t>ATTENDANCE /</a:t>
+              <a:t>ATTENDANCE </a:t>
+            </a:r>
+            <a:r>
+              <a:rPr kumimoji="0" lang="en-US" sz="800" b="0" i="0" u="none" strike="noStrike" kern="0" cap="none" spc="0" normalizeH="0" baseline="0" noProof="0" dirty="0" smtClean="0">
+                <a:ln>
+                  <a:noFill/>
+                </a:ln>
+                <a:solidFill>
+                  <a:srgbClr val="262626"/>
+                </a:solidFill>
+                <a:effectLst/>
+                <a:uLnTx/>
+                <a:uFillTx/>
+                <a:latin typeface="Ubuntu Condensed"/>
+                <a:ea typeface="+mn-ea"/>
+                <a:cs typeface="+mn-cs"/>
+              </a:rPr>
+              <a:t>/</a:t>
             </a:r>
           </a:p>
           <a:p>
@@ -4751,7 +4831,7 @@
         </p:nvSpPr>
         <p:spPr>
           <a:xfrm>
-            <a:off x="685800" y="914400"/>
+            <a:off x="533400" y="914400"/>
             <a:ext cx="762000" cy="228600"/>
           </a:xfrm>
           <a:prstGeom prst="rect">
@@ -6005,8 +6085,8 @@
         </p:nvSpPr>
         <p:spPr>
           <a:xfrm>
-            <a:off x="3352800" y="1219200"/>
-            <a:ext cx="838200" cy="228600"/>
+            <a:off x="3162301" y="1219200"/>
+            <a:ext cx="1181098" cy="228600"/>
           </a:xfrm>
           <a:prstGeom prst="rect">
             <a:avLst/>
@@ -6088,8 +6168,8 @@
         </p:nvCxnSpPr>
         <p:spPr>
           <a:xfrm>
-            <a:off x="1447800" y="1028700"/>
-            <a:ext cx="838200" cy="342900"/>
+            <a:off x="1295400" y="1028700"/>
+            <a:ext cx="990600" cy="342900"/>
           </a:xfrm>
           <a:prstGeom prst="bentConnector2">
             <a:avLst/>
@@ -6580,12 +6660,12 @@
         </p:nvCxnSpPr>
         <p:spPr>
           <a:xfrm rot="10800000" flipH="1" flipV="1">
-            <a:off x="3352800" y="1333500"/>
-            <a:ext cx="254748" cy="967488"/>
+            <a:off x="3162300" y="1333500"/>
+            <a:ext cx="445247" cy="967488"/>
           </a:xfrm>
           <a:prstGeom prst="bentConnector4">
             <a:avLst>
-              <a:gd name="adj1" fmla="val -89736"/>
+              <a:gd name="adj1" fmla="val -51342"/>
               <a:gd name="adj2" fmla="val 47256"/>
             </a:avLst>
           </a:prstGeom>
@@ -6678,9 +6758,9 @@
           <p:nvPr/>
         </p:nvCxnSpPr>
         <p:spPr>
-          <a:xfrm rot="5400000" flipH="1" flipV="1">
-            <a:off x="3371850" y="1809750"/>
-            <a:ext cx="762000" cy="38100"/>
+          <a:xfrm flipV="1">
+            <a:off x="3733800" y="1447800"/>
+            <a:ext cx="19050" cy="762000"/>
           </a:xfrm>
           <a:prstGeom prst="straightConnector1">
             <a:avLst/>
@@ -6707,7 +6787,7 @@
         </p:nvSpPr>
         <p:spPr>
           <a:xfrm rot="16200000">
-            <a:off x="3475407" y="1719349"/>
+            <a:off x="3475407" y="1799007"/>
             <a:ext cx="758541" cy="215444"/>
           </a:xfrm>
           <a:prstGeom prst="rect">
@@ -7377,7 +7457,7 @@
           </a:xfrm>
           <a:prstGeom prst="bentConnector4">
             <a:avLst>
-              <a:gd name="adj1" fmla="val 44756"/>
+              <a:gd name="adj1" fmla="val 54702"/>
               <a:gd name="adj2" fmla="val -330606"/>
             </a:avLst>
           </a:prstGeom>
@@ -9175,7 +9255,7 @@
         <p:grpSpPr>
           <a:xfrm>
             <a:off x="4953000" y="5562600"/>
-            <a:ext cx="1066800" cy="228597"/>
+            <a:ext cx="1371600" cy="228597"/>
             <a:chOff x="381000" y="2438403"/>
             <a:chExt cx="1371600" cy="229391"/>
           </a:xfrm>
@@ -9241,7 +9321,58 @@
                   <a:ea typeface="+mn-ea"/>
                   <a:cs typeface="+mn-cs"/>
                 </a:rPr>
-                <a:t>D2    STUDENT INFO</a:t>
+                <a:t>D2  </a:t>
+              </a:r>
+              <a:r>
+                <a:rPr kumimoji="0" lang="en-US" sz="800" b="0" i="0" u="none" strike="noStrike" kern="0" cap="none" spc="0" normalizeH="0" baseline="0" noProof="0" dirty="0" smtClean="0">
+                  <a:ln>
+                    <a:noFill/>
+                  </a:ln>
+                  <a:solidFill>
+                    <a:srgbClr val="262626"/>
+                  </a:solidFill>
+                  <a:effectLst/>
+                  <a:uLnTx/>
+                  <a:uFillTx/>
+                  <a:latin typeface="Ubuntu Condensed"/>
+                  <a:ea typeface="+mn-ea"/>
+                  <a:cs typeface="+mn-cs"/>
+                </a:rPr>
+                <a:t>   STUDENT</a:t>
+              </a:r>
+              <a:r>
+                <a:rPr kumimoji="0" lang="en-US" sz="800" b="0" i="0" u="none" strike="noStrike" kern="0" cap="none" spc="0" normalizeH="0" noProof="0" dirty="0" smtClean="0">
+                  <a:ln>
+                    <a:noFill/>
+                  </a:ln>
+                  <a:solidFill>
+                    <a:srgbClr val="262626"/>
+                  </a:solidFill>
+                  <a:effectLst/>
+                  <a:uLnTx/>
+                  <a:uFillTx/>
+                  <a:latin typeface="Ubuntu Condensed"/>
+                  <a:ea typeface="+mn-ea"/>
+                  <a:cs typeface="+mn-cs"/>
+                </a:rPr>
+                <a:t> </a:t>
+              </a:r>
+              <a:r>
+                <a:rPr kumimoji="0" lang="en-US" sz="800" b="0" i="0" u="none" strike="noStrike" kern="0" cap="none" spc="0" normalizeH="0" baseline="0" noProof="0" dirty="0" smtClean="0">
+                  <a:ln>
+                    <a:noFill/>
+                  </a:ln>
+                  <a:solidFill>
+                    <a:srgbClr val="262626"/>
+                  </a:solidFill>
+                  <a:effectLst/>
+                  <a:uLnTx/>
+                  <a:uFillTx/>
+                  <a:latin typeface="Ubuntu Condensed"/>
+                  <a:ea typeface="+mn-ea"/>
+                  <a:cs typeface="+mn-cs"/>
+                </a:rPr>
+                <a:t>INFO</a:t>
               </a:r>
               <a:endParaRPr kumimoji="0" lang="en-US" sz="800" b="0" i="0" u="none" strike="noStrike" kern="0" cap="none" spc="0" normalizeH="0" baseline="0" noProof="0" dirty="0">
                 <a:ln>
@@ -9300,11 +9431,11 @@
         <p:spPr>
           <a:xfrm>
             <a:off x="3886200" y="5715000"/>
-            <a:ext cx="1600200" cy="75410"/>
+            <a:ext cx="1752600" cy="75410"/>
           </a:xfrm>
           <a:prstGeom prst="bentConnector4">
             <a:avLst>
-              <a:gd name="adj1" fmla="val 33333"/>
+              <a:gd name="adj1" fmla="val 30435"/>
               <a:gd name="adj2" fmla="val 403143"/>
             </a:avLst>
           </a:prstGeom>
